--- a/Karr_Model/Project Overview.pptx
+++ b/Karr_Model/Project Overview.pptx
@@ -7,7 +7,8 @@
   <p:sldIdLst>
     <p:sldId id="256" r:id="rId2"/>
     <p:sldId id="257" r:id="rId3"/>
-    <p:sldId id="259" r:id="rId4"/>
+    <p:sldId id="260" r:id="rId4"/>
+    <p:sldId id="259" r:id="rId5"/>
   </p:sldIdLst>
   <p:sldSz cx="12192000" cy="6858000"/>
   <p:notesSz cx="6858000" cy="9144000"/>
@@ -245,7 +246,7 @@
           <a:p>
             <a:fld id="{0EA3D039-3586-4F8F-A807-2B70F0AC2517}" type="datetimeFigureOut">
               <a:rPr lang="en-GB" smtClean="0"/>
-              <a:t>21/05/2015</a:t>
+              <a:t>22/05/2015</a:t>
             </a:fld>
             <a:endParaRPr lang="en-GB"/>
           </a:p>
@@ -415,7 +416,7 @@
           <a:p>
             <a:fld id="{0EA3D039-3586-4F8F-A807-2B70F0AC2517}" type="datetimeFigureOut">
               <a:rPr lang="en-GB" smtClean="0"/>
-              <a:t>21/05/2015</a:t>
+              <a:t>22/05/2015</a:t>
             </a:fld>
             <a:endParaRPr lang="en-GB"/>
           </a:p>
@@ -595,7 +596,7 @@
           <a:p>
             <a:fld id="{0EA3D039-3586-4F8F-A807-2B70F0AC2517}" type="datetimeFigureOut">
               <a:rPr lang="en-GB" smtClean="0"/>
-              <a:t>21/05/2015</a:t>
+              <a:t>22/05/2015</a:t>
             </a:fld>
             <a:endParaRPr lang="en-GB"/>
           </a:p>
@@ -765,7 +766,7 @@
           <a:p>
             <a:fld id="{0EA3D039-3586-4F8F-A807-2B70F0AC2517}" type="datetimeFigureOut">
               <a:rPr lang="en-GB" smtClean="0"/>
-              <a:t>21/05/2015</a:t>
+              <a:t>22/05/2015</a:t>
             </a:fld>
             <a:endParaRPr lang="en-GB"/>
           </a:p>
@@ -1011,7 +1012,7 @@
           <a:p>
             <a:fld id="{0EA3D039-3586-4F8F-A807-2B70F0AC2517}" type="datetimeFigureOut">
               <a:rPr lang="en-GB" smtClean="0"/>
-              <a:t>21/05/2015</a:t>
+              <a:t>22/05/2015</a:t>
             </a:fld>
             <a:endParaRPr lang="en-GB"/>
           </a:p>
@@ -1243,7 +1244,7 @@
           <a:p>
             <a:fld id="{0EA3D039-3586-4F8F-A807-2B70F0AC2517}" type="datetimeFigureOut">
               <a:rPr lang="en-GB" smtClean="0"/>
-              <a:t>21/05/2015</a:t>
+              <a:t>22/05/2015</a:t>
             </a:fld>
             <a:endParaRPr lang="en-GB"/>
           </a:p>
@@ -1610,7 +1611,7 @@
           <a:p>
             <a:fld id="{0EA3D039-3586-4F8F-A807-2B70F0AC2517}" type="datetimeFigureOut">
               <a:rPr lang="en-GB" smtClean="0"/>
-              <a:t>21/05/2015</a:t>
+              <a:t>22/05/2015</a:t>
             </a:fld>
             <a:endParaRPr lang="en-GB"/>
           </a:p>
@@ -1728,7 +1729,7 @@
           <a:p>
             <a:fld id="{0EA3D039-3586-4F8F-A807-2B70F0AC2517}" type="datetimeFigureOut">
               <a:rPr lang="en-GB" smtClean="0"/>
-              <a:t>21/05/2015</a:t>
+              <a:t>22/05/2015</a:t>
             </a:fld>
             <a:endParaRPr lang="en-GB"/>
           </a:p>
@@ -1823,7 +1824,7 @@
           <a:p>
             <a:fld id="{0EA3D039-3586-4F8F-A807-2B70F0AC2517}" type="datetimeFigureOut">
               <a:rPr lang="en-GB" smtClean="0"/>
-              <a:t>21/05/2015</a:t>
+              <a:t>22/05/2015</a:t>
             </a:fld>
             <a:endParaRPr lang="en-GB"/>
           </a:p>
@@ -2100,7 +2101,7 @@
           <a:p>
             <a:fld id="{0EA3D039-3586-4F8F-A807-2B70F0AC2517}" type="datetimeFigureOut">
               <a:rPr lang="en-GB" smtClean="0"/>
-              <a:t>21/05/2015</a:t>
+              <a:t>22/05/2015</a:t>
             </a:fld>
             <a:endParaRPr lang="en-GB"/>
           </a:p>
@@ -2353,7 +2354,7 @@
           <a:p>
             <a:fld id="{0EA3D039-3586-4F8F-A807-2B70F0AC2517}" type="datetimeFigureOut">
               <a:rPr lang="en-GB" smtClean="0"/>
-              <a:t>21/05/2015</a:t>
+              <a:t>22/05/2015</a:t>
             </a:fld>
             <a:endParaRPr lang="en-GB"/>
           </a:p>
@@ -2566,7 +2567,7 @@
           <a:p>
             <a:fld id="{0EA3D039-3586-4F8F-A807-2B70F0AC2517}" type="datetimeFigureOut">
               <a:rPr lang="en-GB" smtClean="0"/>
-              <a:t>21/05/2015</a:t>
+              <a:t>22/05/2015</a:t>
             </a:fld>
             <a:endParaRPr lang="en-GB"/>
           </a:p>
@@ -3009,7 +3010,7 @@
           <a:bodyPr/>
           <a:lstStyle/>
           <a:p>
-            <a:endParaRPr lang="en-GB"/>
+            <a:endParaRPr lang="en-GB" dirty="0"/>
           </a:p>
         </p:txBody>
       </p:sp>
@@ -3313,7 +3314,7 @@
         </p:nvSpPr>
         <p:spPr>
           <a:xfrm>
-            <a:off x="838200" y="-635"/>
+            <a:off x="838200" y="0"/>
             <a:ext cx="10515600" cy="1325563"/>
           </a:xfrm>
         </p:spPr>
@@ -3323,19 +3324,135 @@
           <a:p>
             <a:pPr algn="ctr"/>
             <a:r>
+              <a:rPr lang="en-GB" dirty="0"/>
+              <a:t>Our Model</a:t>
+            </a:r>
+          </a:p>
+        </p:txBody>
+      </p:sp>
+      <p:sp>
+        <p:nvSpPr>
+          <p:cNvPr id="6" name="Textfeld 5"/>
+          <p:cNvSpPr txBox="1"/>
+          <p:nvPr/>
+        </p:nvSpPr>
+        <p:spPr>
+          <a:xfrm>
+            <a:off x="914279" y="2056005"/>
+            <a:ext cx="2732270" cy="923330"/>
+          </a:xfrm>
+          <a:prstGeom prst="rect">
+            <a:avLst/>
+          </a:prstGeom>
+          <a:noFill/>
+        </p:spPr>
+        <p:txBody>
+          <a:bodyPr wrap="square" rtlCol="0">
+            <a:spAutoFit/>
+          </a:bodyPr>
+          <a:lstStyle/>
+          <a:p>
+            <a:r>
               <a:rPr lang="en-GB" dirty="0" smtClean="0"/>
-              <a:t>Our Model - </a:t>
-            </a:r>
-            <a:r>
-              <a:rPr lang="en-GB" dirty="0"/>
-              <a:t>Task and Groups</a:t>
-            </a:r>
+              <a:t>General Classes</a:t>
+            </a:r>
+          </a:p>
+          <a:p>
+            <a:pPr marL="285750" indent="-285750">
+              <a:buFont typeface="Arial" panose="020B0604020202020204" pitchFamily="34" charset="0"/>
+              <a:buChar char="•"/>
+            </a:pPr>
+            <a:r>
+              <a:rPr lang="en-GB" dirty="0" smtClean="0"/>
+              <a:t>holding general information</a:t>
+            </a:r>
+            <a:endParaRPr lang="en-GB" dirty="0"/>
+          </a:p>
+        </p:txBody>
+      </p:sp>
+      <p:sp>
+        <p:nvSpPr>
+          <p:cNvPr id="7" name="Textfeld 6"/>
+          <p:cNvSpPr txBox="1"/>
+          <p:nvPr/>
+        </p:nvSpPr>
+        <p:spPr>
+          <a:xfrm>
+            <a:off x="914279" y="3103267"/>
+            <a:ext cx="2732270" cy="923330"/>
+          </a:xfrm>
+          <a:prstGeom prst="rect">
+            <a:avLst/>
+          </a:prstGeom>
+          <a:noFill/>
+        </p:spPr>
+        <p:txBody>
+          <a:bodyPr wrap="square" rtlCol="0">
+            <a:spAutoFit/>
+          </a:bodyPr>
+          <a:lstStyle/>
+          <a:p>
+            <a:r>
+              <a:rPr lang="en-GB" dirty="0" smtClean="0"/>
+              <a:t>Count Classes</a:t>
+            </a:r>
+          </a:p>
+          <a:p>
+            <a:pPr marL="285750" indent="-285750">
+              <a:buFont typeface="Arial" panose="020B0604020202020204" pitchFamily="34" charset="0"/>
+              <a:buChar char="•"/>
+            </a:pPr>
+            <a:r>
+              <a:rPr lang="en-GB" dirty="0" smtClean="0"/>
+              <a:t>Counting number of molecules</a:t>
+            </a:r>
+            <a:endParaRPr lang="en-GB" dirty="0"/>
+          </a:p>
+        </p:txBody>
+      </p:sp>
+      <p:sp>
+        <p:nvSpPr>
+          <p:cNvPr id="8" name="Textfeld 7"/>
+          <p:cNvSpPr txBox="1"/>
+          <p:nvPr/>
+        </p:nvSpPr>
+        <p:spPr>
+          <a:xfrm>
+            <a:off x="838200" y="4150529"/>
+            <a:ext cx="2808349" cy="923330"/>
+          </a:xfrm>
+          <a:prstGeom prst="rect">
+            <a:avLst/>
+          </a:prstGeom>
+          <a:noFill/>
+        </p:spPr>
+        <p:txBody>
+          <a:bodyPr wrap="square" rtlCol="0">
+            <a:spAutoFit/>
+          </a:bodyPr>
+          <a:lstStyle/>
+          <a:p>
+            <a:r>
+              <a:rPr lang="en-GB" dirty="0" smtClean="0"/>
+              <a:t>Property Classes</a:t>
+            </a:r>
+          </a:p>
+          <a:p>
+            <a:pPr marL="285750" indent="-285750">
+              <a:buFont typeface="Arial" panose="020B0604020202020204" pitchFamily="34" charset="0"/>
+              <a:buChar char="•"/>
+            </a:pPr>
+            <a:r>
+              <a:rPr lang="en-GB" dirty="0" smtClean="0"/>
+              <a:t>Holding specific property of e.g. state or process</a:t>
+            </a:r>
+            <a:endParaRPr lang="en-GB" dirty="0"/>
           </a:p>
         </p:txBody>
       </p:sp>
       <p:pic>
         <p:nvPicPr>
-          <p:cNvPr id="5" name="Grafik 4"/>
+          <p:cNvPr id="11" name="Grafik 10"/>
           <p:cNvPicPr>
             <a:picLocks noChangeAspect="1"/>
           </p:cNvPicPr>
@@ -3355,14 +3472,76 @@
         </p:blipFill>
         <p:spPr>
           <a:xfrm>
-            <a:off x="6202611" y="1690688"/>
-            <a:ext cx="5647268" cy="4516884"/>
+            <a:off x="5201860" y="1477108"/>
+            <a:ext cx="6208163" cy="4826000"/>
           </a:xfrm>
           <a:prstGeom prst="rect">
             <a:avLst/>
           </a:prstGeom>
         </p:spPr>
       </p:pic>
+    </p:spTree>
+    <p:extLst>
+      <p:ext uri="{BB962C8B-B14F-4D97-AF65-F5344CB8AC3E}">
+        <p14:creationId xmlns:p14="http://schemas.microsoft.com/office/powerpoint/2010/main" val="1342841681"/>
+      </p:ext>
+    </p:extLst>
+  </p:cSld>
+  <p:clrMapOvr>
+    <a:masterClrMapping/>
+  </p:clrMapOvr>
+</p:sld>
+</file>
+
+<file path=ppt/slides/slide4.xml><?xml version="1.0" encoding="utf-8"?>
+<p:sld xmlns:a="http://schemas.openxmlformats.org/drawingml/2006/main" xmlns:r="http://schemas.openxmlformats.org/officeDocument/2006/relationships" xmlns:p="http://schemas.openxmlformats.org/presentationml/2006/main">
+  <p:cSld>
+    <p:spTree>
+      <p:nvGrpSpPr>
+        <p:cNvPr id="1" name=""/>
+        <p:cNvGrpSpPr/>
+        <p:nvPr/>
+      </p:nvGrpSpPr>
+      <p:grpSpPr>
+        <a:xfrm>
+          <a:off x="0" y="0"/>
+          <a:ext cx="0" cy="0"/>
+          <a:chOff x="0" y="0"/>
+          <a:chExt cx="0" cy="0"/>
+        </a:xfrm>
+      </p:grpSpPr>
+      <p:sp>
+        <p:nvSpPr>
+          <p:cNvPr id="2" name="Titel 1"/>
+          <p:cNvSpPr>
+            <a:spLocks noGrp="1"/>
+          </p:cNvSpPr>
+          <p:nvPr>
+            <p:ph type="title"/>
+          </p:nvPr>
+        </p:nvSpPr>
+        <p:spPr>
+          <a:xfrm>
+            <a:off x="838200" y="-635"/>
+            <a:ext cx="10515600" cy="1325563"/>
+          </a:xfrm>
+        </p:spPr>
+        <p:txBody>
+          <a:bodyPr/>
+          <a:lstStyle/>
+          <a:p>
+            <a:pPr algn="ctr"/>
+            <a:r>
+              <a:rPr lang="en-GB" dirty="0" smtClean="0"/>
+              <a:t>Our Model - </a:t>
+            </a:r>
+            <a:r>
+              <a:rPr lang="en-GB" dirty="0"/>
+              <a:t>Task and Groups</a:t>
+            </a:r>
+          </a:p>
+        </p:txBody>
+      </p:sp>
       <p:graphicFrame>
         <p:nvGraphicFramePr>
           <p:cNvPr id="6" name="Tabelle 5"/>
@@ -3583,6 +3762,36 @@
           </a:p>
         </p:txBody>
       </p:sp>
+      <p:pic>
+        <p:nvPicPr>
+          <p:cNvPr id="3" name="Grafik 2"/>
+          <p:cNvPicPr>
+            <a:picLocks noChangeAspect="1"/>
+          </p:cNvPicPr>
+          <p:nvPr/>
+        </p:nvPicPr>
+        <p:blipFill>
+          <a:blip r:embed="rId2" cstate="print">
+            <a:extLst>
+              <a:ext uri="{28A0092B-C50C-407E-A947-70E740481C1C}">
+                <a14:useLocalDpi xmlns:a14="http://schemas.microsoft.com/office/drawing/2010/main" val="0"/>
+              </a:ext>
+            </a:extLst>
+          </a:blip>
+          <a:stretch>
+            <a:fillRect/>
+          </a:stretch>
+        </p:blipFill>
+        <p:spPr>
+          <a:xfrm>
+            <a:off x="5201860" y="1477108"/>
+            <a:ext cx="6208163" cy="4826000"/>
+          </a:xfrm>
+          <a:prstGeom prst="rect">
+            <a:avLst/>
+          </a:prstGeom>
+        </p:spPr>
+      </p:pic>
     </p:spTree>
     <p:extLst>
       <p:ext uri="{BB962C8B-B14F-4D97-AF65-F5344CB8AC3E}">
